--- a/CalendarioAgo23/Presentaciones/8_Capa_fisicaR.pptx
+++ b/CalendarioAgo23/Presentaciones/8_Capa_fisicaR.pptx
@@ -219,7 +219,7 @@
           <a:p>
             <a:fld id="{2D445F07-8756-451B-A938-0248325FC7BB}" type="datetimeFigureOut">
               <a:rPr lang="es-MX" smtClean="0"/>
-              <a:t>18/05/2023</a:t>
+              <a:t>01/11/2023</a:t>
             </a:fld>
             <a:endParaRPr lang="es-MX" dirty="0"/>
           </a:p>
@@ -2091,7 +2091,7 @@
           <a:p>
             <a:fld id="{5E75A0DC-66C6-4CEC-A5EB-F8C97CEC3796}" type="datetimeFigureOut">
               <a:rPr lang="es-MX" smtClean="0"/>
-              <a:t>18/05/2023</a:t>
+              <a:t>01/11/2023</a:t>
             </a:fld>
             <a:endParaRPr lang="es-MX" dirty="0"/>
           </a:p>
@@ -2261,7 +2261,7 @@
           <a:p>
             <a:fld id="{5E75A0DC-66C6-4CEC-A5EB-F8C97CEC3796}" type="datetimeFigureOut">
               <a:rPr lang="es-MX" smtClean="0"/>
-              <a:t>18/05/2023</a:t>
+              <a:t>01/11/2023</a:t>
             </a:fld>
             <a:endParaRPr lang="es-MX" dirty="0"/>
           </a:p>
@@ -2441,7 +2441,7 @@
           <a:p>
             <a:fld id="{5E75A0DC-66C6-4CEC-A5EB-F8C97CEC3796}" type="datetimeFigureOut">
               <a:rPr lang="es-MX" smtClean="0"/>
-              <a:t>18/05/2023</a:t>
+              <a:t>01/11/2023</a:t>
             </a:fld>
             <a:endParaRPr lang="es-MX" dirty="0"/>
           </a:p>
@@ -2611,7 +2611,7 @@
           <a:p>
             <a:fld id="{5E75A0DC-66C6-4CEC-A5EB-F8C97CEC3796}" type="datetimeFigureOut">
               <a:rPr lang="es-MX" smtClean="0"/>
-              <a:t>18/05/2023</a:t>
+              <a:t>01/11/2023</a:t>
             </a:fld>
             <a:endParaRPr lang="es-MX" dirty="0"/>
           </a:p>
@@ -2857,7 +2857,7 @@
           <a:p>
             <a:fld id="{5E75A0DC-66C6-4CEC-A5EB-F8C97CEC3796}" type="datetimeFigureOut">
               <a:rPr lang="es-MX" smtClean="0"/>
-              <a:t>18/05/2023</a:t>
+              <a:t>01/11/2023</a:t>
             </a:fld>
             <a:endParaRPr lang="es-MX" dirty="0"/>
           </a:p>
@@ -3145,7 +3145,7 @@
           <a:p>
             <a:fld id="{5E75A0DC-66C6-4CEC-A5EB-F8C97CEC3796}" type="datetimeFigureOut">
               <a:rPr lang="es-MX" smtClean="0"/>
-              <a:t>18/05/2023</a:t>
+              <a:t>01/11/2023</a:t>
             </a:fld>
             <a:endParaRPr lang="es-MX" dirty="0"/>
           </a:p>
@@ -3567,7 +3567,7 @@
           <a:p>
             <a:fld id="{5E75A0DC-66C6-4CEC-A5EB-F8C97CEC3796}" type="datetimeFigureOut">
               <a:rPr lang="es-MX" smtClean="0"/>
-              <a:t>18/05/2023</a:t>
+              <a:t>01/11/2023</a:t>
             </a:fld>
             <a:endParaRPr lang="es-MX" dirty="0"/>
           </a:p>
@@ -3685,7 +3685,7 @@
           <a:p>
             <a:fld id="{5E75A0DC-66C6-4CEC-A5EB-F8C97CEC3796}" type="datetimeFigureOut">
               <a:rPr lang="es-MX" smtClean="0"/>
-              <a:t>18/05/2023</a:t>
+              <a:t>01/11/2023</a:t>
             </a:fld>
             <a:endParaRPr lang="es-MX" dirty="0"/>
           </a:p>
@@ -3780,7 +3780,7 @@
           <a:p>
             <a:fld id="{5E75A0DC-66C6-4CEC-A5EB-F8C97CEC3796}" type="datetimeFigureOut">
               <a:rPr lang="es-MX" smtClean="0"/>
-              <a:t>18/05/2023</a:t>
+              <a:t>01/11/2023</a:t>
             </a:fld>
             <a:endParaRPr lang="es-MX" dirty="0"/>
           </a:p>
@@ -4057,7 +4057,7 @@
           <a:p>
             <a:fld id="{5E75A0DC-66C6-4CEC-A5EB-F8C97CEC3796}" type="datetimeFigureOut">
               <a:rPr lang="es-MX" smtClean="0"/>
-              <a:t>18/05/2023</a:t>
+              <a:t>01/11/2023</a:t>
             </a:fld>
             <a:endParaRPr lang="es-MX" dirty="0"/>
           </a:p>
@@ -4310,7 +4310,7 @@
           <a:p>
             <a:fld id="{5E75A0DC-66C6-4CEC-A5EB-F8C97CEC3796}" type="datetimeFigureOut">
               <a:rPr lang="es-MX" smtClean="0"/>
-              <a:t>18/05/2023</a:t>
+              <a:t>01/11/2023</a:t>
             </a:fld>
             <a:endParaRPr lang="es-MX" dirty="0"/>
           </a:p>
@@ -4523,7 +4523,7 @@
           <a:p>
             <a:fld id="{5E75A0DC-66C6-4CEC-A5EB-F8C97CEC3796}" type="datetimeFigureOut">
               <a:rPr lang="es-MX" smtClean="0"/>
-              <a:t>18/05/2023</a:t>
+              <a:t>01/11/2023</a:t>
             </a:fld>
             <a:endParaRPr lang="es-MX" dirty="0"/>
           </a:p>
